--- a/2) Design/DIAGRAMA DE FLUJO - LCD.pptx
+++ b/2) Design/DIAGRAMA DE FLUJO - LCD.pptx
@@ -107,6 +107,11 @@
       </a:defRPr>
     </a:lvl9pPr>
   </p:defaultTextStyle>
+  <p:extLst>
+    <p:ext uri="{EFAFB233-063F-42B5-8137-9DF3F51BA10A}">
+      <p15:sldGuideLst xmlns:p15="http://schemas.microsoft.com/office/powerpoint/2012/main"/>
+    </p:ext>
+  </p:extLst>
 </p:presentation>
 </file>
 
@@ -241,7 +246,7 @@
           <a:p>
             <a:fld id="{3DBDCB80-2EF5-441F-917A-AA344335194C}" type="datetimeFigureOut">
               <a:rPr lang="en-US" smtClean="0"/>
-              <a:t>7/31/2019</a:t>
+              <a:t>8/7/2019</a:t>
             </a:fld>
             <a:endParaRPr lang="en-US"/>
           </a:p>
@@ -411,7 +416,7 @@
           <a:p>
             <a:fld id="{3DBDCB80-2EF5-441F-917A-AA344335194C}" type="datetimeFigureOut">
               <a:rPr lang="en-US" smtClean="0"/>
-              <a:t>7/31/2019</a:t>
+              <a:t>8/7/2019</a:t>
             </a:fld>
             <a:endParaRPr lang="en-US"/>
           </a:p>
@@ -591,7 +596,7 @@
           <a:p>
             <a:fld id="{3DBDCB80-2EF5-441F-917A-AA344335194C}" type="datetimeFigureOut">
               <a:rPr lang="en-US" smtClean="0"/>
-              <a:t>7/31/2019</a:t>
+              <a:t>8/7/2019</a:t>
             </a:fld>
             <a:endParaRPr lang="en-US"/>
           </a:p>
@@ -761,7 +766,7 @@
           <a:p>
             <a:fld id="{3DBDCB80-2EF5-441F-917A-AA344335194C}" type="datetimeFigureOut">
               <a:rPr lang="en-US" smtClean="0"/>
-              <a:t>7/31/2019</a:t>
+              <a:t>8/7/2019</a:t>
             </a:fld>
             <a:endParaRPr lang="en-US"/>
           </a:p>
@@ -1005,7 +1010,7 @@
           <a:p>
             <a:fld id="{3DBDCB80-2EF5-441F-917A-AA344335194C}" type="datetimeFigureOut">
               <a:rPr lang="en-US" smtClean="0"/>
-              <a:t>7/31/2019</a:t>
+              <a:t>8/7/2019</a:t>
             </a:fld>
             <a:endParaRPr lang="en-US"/>
           </a:p>
@@ -1237,7 +1242,7 @@
           <a:p>
             <a:fld id="{3DBDCB80-2EF5-441F-917A-AA344335194C}" type="datetimeFigureOut">
               <a:rPr lang="en-US" smtClean="0"/>
-              <a:t>7/31/2019</a:t>
+              <a:t>8/7/2019</a:t>
             </a:fld>
             <a:endParaRPr lang="en-US"/>
           </a:p>
@@ -1604,7 +1609,7 @@
           <a:p>
             <a:fld id="{3DBDCB80-2EF5-441F-917A-AA344335194C}" type="datetimeFigureOut">
               <a:rPr lang="en-US" smtClean="0"/>
-              <a:t>7/31/2019</a:t>
+              <a:t>8/7/2019</a:t>
             </a:fld>
             <a:endParaRPr lang="en-US"/>
           </a:p>
@@ -1722,7 +1727,7 @@
           <a:p>
             <a:fld id="{3DBDCB80-2EF5-441F-917A-AA344335194C}" type="datetimeFigureOut">
               <a:rPr lang="en-US" smtClean="0"/>
-              <a:t>7/31/2019</a:t>
+              <a:t>8/7/2019</a:t>
             </a:fld>
             <a:endParaRPr lang="en-US"/>
           </a:p>
@@ -1817,7 +1822,7 @@
           <a:p>
             <a:fld id="{3DBDCB80-2EF5-441F-917A-AA344335194C}" type="datetimeFigureOut">
               <a:rPr lang="en-US" smtClean="0"/>
-              <a:t>7/31/2019</a:t>
+              <a:t>8/7/2019</a:t>
             </a:fld>
             <a:endParaRPr lang="en-US"/>
           </a:p>
@@ -2094,7 +2099,7 @@
           <a:p>
             <a:fld id="{3DBDCB80-2EF5-441F-917A-AA344335194C}" type="datetimeFigureOut">
               <a:rPr lang="en-US" smtClean="0"/>
-              <a:t>7/31/2019</a:t>
+              <a:t>8/7/2019</a:t>
             </a:fld>
             <a:endParaRPr lang="en-US"/>
           </a:p>
@@ -2351,7 +2356,7 @@
           <a:p>
             <a:fld id="{3DBDCB80-2EF5-441F-917A-AA344335194C}" type="datetimeFigureOut">
               <a:rPr lang="en-US" smtClean="0"/>
-              <a:t>7/31/2019</a:t>
+              <a:t>8/7/2019</a:t>
             </a:fld>
             <a:endParaRPr lang="en-US"/>
           </a:p>
@@ -2564,7 +2569,7 @@
           <a:p>
             <a:fld id="{3DBDCB80-2EF5-441F-917A-AA344335194C}" type="datetimeFigureOut">
               <a:rPr lang="en-US" smtClean="0"/>
-              <a:t>7/31/2019</a:t>
+              <a:t>8/7/2019</a:t>
             </a:fld>
             <a:endParaRPr lang="en-US"/>
           </a:p>
@@ -2992,15 +2997,15 @@
         </p:spPr>
         <p:style>
           <a:lnRef idx="2">
-            <a:schemeClr val="accent1">
-              <a:shade val="50000"/>
-            </a:schemeClr>
-          </a:lnRef>
-          <a:fillRef idx="1">
-            <a:schemeClr val="accent1"/>
-          </a:fillRef>
-          <a:effectRef idx="0">
-            <a:schemeClr val="accent1"/>
+            <a:schemeClr val="accent5">
+              <a:shade val="50000"/>
+            </a:schemeClr>
+          </a:lnRef>
+          <a:fillRef idx="1">
+            <a:schemeClr val="accent5"/>
+          </a:fillRef>
+          <a:effectRef idx="0">
+            <a:schemeClr val="accent5"/>
           </a:effectRef>
           <a:fontRef idx="minor">
             <a:schemeClr val="lt1"/>
@@ -3046,15 +3051,15 @@
         </p:spPr>
         <p:style>
           <a:lnRef idx="2">
-            <a:schemeClr val="accent1">
-              <a:shade val="50000"/>
-            </a:schemeClr>
-          </a:lnRef>
-          <a:fillRef idx="1">
-            <a:schemeClr val="accent1"/>
-          </a:fillRef>
-          <a:effectRef idx="0">
-            <a:schemeClr val="accent1"/>
+            <a:schemeClr val="accent5">
+              <a:shade val="50000"/>
+            </a:schemeClr>
+          </a:lnRef>
+          <a:fillRef idx="1">
+            <a:schemeClr val="accent5"/>
+          </a:fillRef>
+          <a:effectRef idx="0">
+            <a:schemeClr val="accent5"/>
           </a:effectRef>
           <a:fontRef idx="minor">
             <a:schemeClr val="lt1"/>
@@ -3096,15 +3101,15 @@
         </p:spPr>
         <p:style>
           <a:lnRef idx="2">
-            <a:schemeClr val="accent1">
-              <a:shade val="50000"/>
-            </a:schemeClr>
-          </a:lnRef>
-          <a:fillRef idx="1">
-            <a:schemeClr val="accent1"/>
-          </a:fillRef>
-          <a:effectRef idx="0">
-            <a:schemeClr val="accent1"/>
+            <a:schemeClr val="accent5">
+              <a:shade val="50000"/>
+            </a:schemeClr>
+          </a:lnRef>
+          <a:fillRef idx="1">
+            <a:schemeClr val="accent5"/>
+          </a:fillRef>
+          <a:effectRef idx="0">
+            <a:schemeClr val="accent5"/>
           </a:effectRef>
           <a:fontRef idx="minor">
             <a:schemeClr val="lt1"/>
@@ -3146,15 +3151,15 @@
         </p:spPr>
         <p:style>
           <a:lnRef idx="2">
-            <a:schemeClr val="accent1">
-              <a:shade val="50000"/>
-            </a:schemeClr>
-          </a:lnRef>
-          <a:fillRef idx="1">
-            <a:schemeClr val="accent1"/>
-          </a:fillRef>
-          <a:effectRef idx="0">
-            <a:schemeClr val="accent1"/>
+            <a:schemeClr val="accent5">
+              <a:shade val="50000"/>
+            </a:schemeClr>
+          </a:lnRef>
+          <a:fillRef idx="1">
+            <a:schemeClr val="accent5"/>
+          </a:fillRef>
+          <a:effectRef idx="0">
+            <a:schemeClr val="accent5"/>
           </a:effectRef>
           <a:fontRef idx="minor">
             <a:schemeClr val="lt1"/>
@@ -3196,15 +3201,15 @@
         </p:spPr>
         <p:style>
           <a:lnRef idx="2">
-            <a:schemeClr val="accent1">
-              <a:shade val="50000"/>
-            </a:schemeClr>
-          </a:lnRef>
-          <a:fillRef idx="1">
-            <a:schemeClr val="accent1"/>
-          </a:fillRef>
-          <a:effectRef idx="0">
-            <a:schemeClr val="accent1"/>
+            <a:schemeClr val="accent5">
+              <a:shade val="50000"/>
+            </a:schemeClr>
+          </a:lnRef>
+          <a:fillRef idx="1">
+            <a:schemeClr val="accent5"/>
+          </a:fillRef>
+          <a:effectRef idx="0">
+            <a:schemeClr val="accent5"/>
           </a:effectRef>
           <a:fontRef idx="minor">
             <a:schemeClr val="lt1"/>
@@ -3245,15 +3250,15 @@
         </p:spPr>
         <p:style>
           <a:lnRef idx="2">
-            <a:schemeClr val="accent1">
-              <a:shade val="50000"/>
-            </a:schemeClr>
-          </a:lnRef>
-          <a:fillRef idx="1">
-            <a:schemeClr val="accent1"/>
-          </a:fillRef>
-          <a:effectRef idx="0">
-            <a:schemeClr val="accent1"/>
+            <a:schemeClr val="accent5">
+              <a:shade val="50000"/>
+            </a:schemeClr>
+          </a:lnRef>
+          <a:fillRef idx="1">
+            <a:schemeClr val="accent5"/>
+          </a:fillRef>
+          <a:effectRef idx="0">
+            <a:schemeClr val="accent5"/>
           </a:effectRef>
           <a:fontRef idx="minor">
             <a:schemeClr val="lt1"/>
@@ -3295,15 +3300,15 @@
         </p:spPr>
         <p:style>
           <a:lnRef idx="2">
-            <a:schemeClr val="accent1">
-              <a:shade val="50000"/>
-            </a:schemeClr>
-          </a:lnRef>
-          <a:fillRef idx="1">
-            <a:schemeClr val="accent1"/>
-          </a:fillRef>
-          <a:effectRef idx="0">
-            <a:schemeClr val="accent1"/>
+            <a:schemeClr val="accent5">
+              <a:shade val="50000"/>
+            </a:schemeClr>
+          </a:lnRef>
+          <a:fillRef idx="1">
+            <a:schemeClr val="accent5"/>
+          </a:fillRef>
+          <a:effectRef idx="0">
+            <a:schemeClr val="accent5"/>
           </a:effectRef>
           <a:fontRef idx="minor">
             <a:schemeClr val="lt1"/>
@@ -3352,15 +3357,15 @@
         </p:spPr>
         <p:style>
           <a:lnRef idx="2">
-            <a:schemeClr val="accent1">
-              <a:shade val="50000"/>
-            </a:schemeClr>
-          </a:lnRef>
-          <a:fillRef idx="1">
-            <a:schemeClr val="accent1"/>
-          </a:fillRef>
-          <a:effectRef idx="0">
-            <a:schemeClr val="accent1"/>
+            <a:schemeClr val="accent5">
+              <a:shade val="50000"/>
+            </a:schemeClr>
+          </a:lnRef>
+          <a:fillRef idx="1">
+            <a:schemeClr val="accent5"/>
+          </a:fillRef>
+          <a:effectRef idx="0">
+            <a:schemeClr val="accent5"/>
           </a:effectRef>
           <a:fontRef idx="minor">
             <a:schemeClr val="lt1"/>
@@ -3405,15 +3410,15 @@
         </p:spPr>
         <p:style>
           <a:lnRef idx="2">
-            <a:schemeClr val="accent1">
-              <a:shade val="50000"/>
-            </a:schemeClr>
-          </a:lnRef>
-          <a:fillRef idx="1">
-            <a:schemeClr val="accent1"/>
-          </a:fillRef>
-          <a:effectRef idx="0">
-            <a:schemeClr val="accent1"/>
+            <a:schemeClr val="accent5">
+              <a:shade val="50000"/>
+            </a:schemeClr>
+          </a:lnRef>
+          <a:fillRef idx="1">
+            <a:schemeClr val="accent5"/>
+          </a:fillRef>
+          <a:effectRef idx="0">
+            <a:schemeClr val="accent5"/>
           </a:effectRef>
           <a:fontRef idx="minor">
             <a:schemeClr val="lt1"/>
@@ -3455,15 +3460,15 @@
         </p:spPr>
         <p:style>
           <a:lnRef idx="2">
-            <a:schemeClr val="accent1">
-              <a:shade val="50000"/>
-            </a:schemeClr>
-          </a:lnRef>
-          <a:fillRef idx="1">
-            <a:schemeClr val="accent1"/>
-          </a:fillRef>
-          <a:effectRef idx="0">
-            <a:schemeClr val="accent1"/>
+            <a:schemeClr val="accent5">
+              <a:shade val="50000"/>
+            </a:schemeClr>
+          </a:lnRef>
+          <a:fillRef idx="1">
+            <a:schemeClr val="accent5"/>
+          </a:fillRef>
+          <a:effectRef idx="0">
+            <a:schemeClr val="accent5"/>
           </a:effectRef>
           <a:fontRef idx="minor">
             <a:schemeClr val="lt1"/>
@@ -3505,15 +3510,15 @@
         </p:spPr>
         <p:style>
           <a:lnRef idx="2">
-            <a:schemeClr val="accent1">
-              <a:shade val="50000"/>
-            </a:schemeClr>
-          </a:lnRef>
-          <a:fillRef idx="1">
-            <a:schemeClr val="accent1"/>
-          </a:fillRef>
-          <a:effectRef idx="0">
-            <a:schemeClr val="accent1"/>
+            <a:schemeClr val="accent5">
+              <a:shade val="50000"/>
+            </a:schemeClr>
+          </a:lnRef>
+          <a:fillRef idx="1">
+            <a:schemeClr val="accent5"/>
+          </a:fillRef>
+          <a:effectRef idx="0">
+            <a:schemeClr val="accent5"/>
           </a:effectRef>
           <a:fontRef idx="minor">
             <a:schemeClr val="lt1"/>
@@ -3562,15 +3567,15 @@
         </p:spPr>
         <p:style>
           <a:lnRef idx="2">
-            <a:schemeClr val="accent1">
-              <a:shade val="50000"/>
-            </a:schemeClr>
-          </a:lnRef>
-          <a:fillRef idx="1">
-            <a:schemeClr val="accent1"/>
-          </a:fillRef>
-          <a:effectRef idx="0">
-            <a:schemeClr val="accent1"/>
+            <a:schemeClr val="accent5">
+              <a:shade val="50000"/>
+            </a:schemeClr>
+          </a:lnRef>
+          <a:fillRef idx="1">
+            <a:schemeClr val="accent5"/>
+          </a:fillRef>
+          <a:effectRef idx="0">
+            <a:schemeClr val="accent5"/>
           </a:effectRef>
           <a:fontRef idx="minor">
             <a:schemeClr val="lt1"/>
@@ -3622,17 +3627,19 @@
           </a:ln>
         </p:spPr>
         <p:style>
-          <a:lnRef idx="1">
-            <a:schemeClr val="accent1"/>
-          </a:lnRef>
-          <a:fillRef idx="0">
-            <a:schemeClr val="accent1"/>
-          </a:fillRef>
-          <a:effectRef idx="0">
-            <a:schemeClr val="accent1"/>
-          </a:effectRef>
-          <a:fontRef idx="minor">
-            <a:schemeClr val="tx1"/>
+          <a:lnRef idx="2">
+            <a:schemeClr val="accent5">
+              <a:shade val="50000"/>
+            </a:schemeClr>
+          </a:lnRef>
+          <a:fillRef idx="1">
+            <a:schemeClr val="accent5"/>
+          </a:fillRef>
+          <a:effectRef idx="0">
+            <a:schemeClr val="accent5"/>
+          </a:effectRef>
+          <a:fontRef idx="minor">
+            <a:schemeClr val="lt1"/>
           </a:fontRef>
         </p:style>
       </p:cxnSp>
@@ -3663,17 +3670,19 @@
           </a:ln>
         </p:spPr>
         <p:style>
-          <a:lnRef idx="1">
-            <a:schemeClr val="accent1"/>
-          </a:lnRef>
-          <a:fillRef idx="0">
-            <a:schemeClr val="accent1"/>
-          </a:fillRef>
-          <a:effectRef idx="0">
-            <a:schemeClr val="accent1"/>
-          </a:effectRef>
-          <a:fontRef idx="minor">
-            <a:schemeClr val="tx1"/>
+          <a:lnRef idx="2">
+            <a:schemeClr val="accent5">
+              <a:shade val="50000"/>
+            </a:schemeClr>
+          </a:lnRef>
+          <a:fillRef idx="1">
+            <a:schemeClr val="accent5"/>
+          </a:fillRef>
+          <a:effectRef idx="0">
+            <a:schemeClr val="accent5"/>
+          </a:effectRef>
+          <a:fontRef idx="minor">
+            <a:schemeClr val="lt1"/>
           </a:fontRef>
         </p:style>
       </p:cxnSp>
@@ -3704,17 +3713,19 @@
           </a:prstGeom>
         </p:spPr>
         <p:style>
-          <a:lnRef idx="1">
-            <a:schemeClr val="accent1"/>
-          </a:lnRef>
-          <a:fillRef idx="0">
-            <a:schemeClr val="accent1"/>
-          </a:fillRef>
-          <a:effectRef idx="0">
-            <a:schemeClr val="accent1"/>
-          </a:effectRef>
-          <a:fontRef idx="minor">
-            <a:schemeClr val="tx1"/>
+          <a:lnRef idx="2">
+            <a:schemeClr val="accent5">
+              <a:shade val="50000"/>
+            </a:schemeClr>
+          </a:lnRef>
+          <a:fillRef idx="1">
+            <a:schemeClr val="accent5"/>
+          </a:fillRef>
+          <a:effectRef idx="0">
+            <a:schemeClr val="accent5"/>
+          </a:effectRef>
+          <a:fontRef idx="minor">
+            <a:schemeClr val="lt1"/>
           </a:fontRef>
         </p:style>
       </p:cxnSp>
@@ -3743,17 +3754,19 @@
           </a:ln>
         </p:spPr>
         <p:style>
-          <a:lnRef idx="1">
-            <a:schemeClr val="accent1"/>
-          </a:lnRef>
-          <a:fillRef idx="0">
-            <a:schemeClr val="accent1"/>
-          </a:fillRef>
-          <a:effectRef idx="0">
-            <a:schemeClr val="accent1"/>
-          </a:effectRef>
-          <a:fontRef idx="minor">
-            <a:schemeClr val="tx1"/>
+          <a:lnRef idx="2">
+            <a:schemeClr val="accent5">
+              <a:shade val="50000"/>
+            </a:schemeClr>
+          </a:lnRef>
+          <a:fillRef idx="1">
+            <a:schemeClr val="accent5"/>
+          </a:fillRef>
+          <a:effectRef idx="0">
+            <a:schemeClr val="accent5"/>
+          </a:effectRef>
+          <a:fontRef idx="minor">
+            <a:schemeClr val="lt1"/>
           </a:fontRef>
         </p:style>
       </p:cxnSp>
@@ -3785,17 +3798,19 @@
           </a:ln>
         </p:spPr>
         <p:style>
-          <a:lnRef idx="1">
-            <a:schemeClr val="accent1"/>
-          </a:lnRef>
-          <a:fillRef idx="0">
-            <a:schemeClr val="accent1"/>
-          </a:fillRef>
-          <a:effectRef idx="0">
-            <a:schemeClr val="accent1"/>
-          </a:effectRef>
-          <a:fontRef idx="minor">
-            <a:schemeClr val="tx1"/>
+          <a:lnRef idx="2">
+            <a:schemeClr val="accent5">
+              <a:shade val="50000"/>
+            </a:schemeClr>
+          </a:lnRef>
+          <a:fillRef idx="1">
+            <a:schemeClr val="accent5"/>
+          </a:fillRef>
+          <a:effectRef idx="0">
+            <a:schemeClr val="accent5"/>
+          </a:effectRef>
+          <a:fontRef idx="minor">
+            <a:schemeClr val="lt1"/>
           </a:fontRef>
         </p:style>
       </p:cxnSp>
@@ -3826,17 +3841,19 @@
           </a:ln>
         </p:spPr>
         <p:style>
-          <a:lnRef idx="1">
-            <a:schemeClr val="accent1"/>
-          </a:lnRef>
-          <a:fillRef idx="0">
-            <a:schemeClr val="accent1"/>
-          </a:fillRef>
-          <a:effectRef idx="0">
-            <a:schemeClr val="accent1"/>
-          </a:effectRef>
-          <a:fontRef idx="minor">
-            <a:schemeClr val="tx1"/>
+          <a:lnRef idx="2">
+            <a:schemeClr val="accent5">
+              <a:shade val="50000"/>
+            </a:schemeClr>
+          </a:lnRef>
+          <a:fillRef idx="1">
+            <a:schemeClr val="accent5"/>
+          </a:fillRef>
+          <a:effectRef idx="0">
+            <a:schemeClr val="accent5"/>
+          </a:effectRef>
+          <a:fontRef idx="minor">
+            <a:schemeClr val="lt1"/>
           </a:fontRef>
         </p:style>
       </p:cxnSp>
@@ -3868,17 +3885,19 @@
           </a:ln>
         </p:spPr>
         <p:style>
-          <a:lnRef idx="1">
-            <a:schemeClr val="accent1"/>
-          </a:lnRef>
-          <a:fillRef idx="0">
-            <a:schemeClr val="accent1"/>
-          </a:fillRef>
-          <a:effectRef idx="0">
-            <a:schemeClr val="accent1"/>
-          </a:effectRef>
-          <a:fontRef idx="minor">
-            <a:schemeClr val="tx1"/>
+          <a:lnRef idx="2">
+            <a:schemeClr val="accent5">
+              <a:shade val="50000"/>
+            </a:schemeClr>
+          </a:lnRef>
+          <a:fillRef idx="1">
+            <a:schemeClr val="accent5"/>
+          </a:fillRef>
+          <a:effectRef idx="0">
+            <a:schemeClr val="accent5"/>
+          </a:effectRef>
+          <a:fontRef idx="minor">
+            <a:schemeClr val="lt1"/>
           </a:fontRef>
         </p:style>
       </p:cxnSp>
@@ -3910,17 +3929,19 @@
           </a:ln>
         </p:spPr>
         <p:style>
-          <a:lnRef idx="1">
-            <a:schemeClr val="accent1"/>
-          </a:lnRef>
-          <a:fillRef idx="0">
-            <a:schemeClr val="accent1"/>
-          </a:fillRef>
-          <a:effectRef idx="0">
-            <a:schemeClr val="accent1"/>
-          </a:effectRef>
-          <a:fontRef idx="minor">
-            <a:schemeClr val="tx1"/>
+          <a:lnRef idx="2">
+            <a:schemeClr val="accent5">
+              <a:shade val="50000"/>
+            </a:schemeClr>
+          </a:lnRef>
+          <a:fillRef idx="1">
+            <a:schemeClr val="accent5"/>
+          </a:fillRef>
+          <a:effectRef idx="0">
+            <a:schemeClr val="accent5"/>
+          </a:effectRef>
+          <a:fontRef idx="minor">
+            <a:schemeClr val="lt1"/>
           </a:fontRef>
         </p:style>
       </p:cxnSp>
@@ -3952,17 +3973,19 @@
           </a:ln>
         </p:spPr>
         <p:style>
-          <a:lnRef idx="1">
-            <a:schemeClr val="accent1"/>
-          </a:lnRef>
-          <a:fillRef idx="0">
-            <a:schemeClr val="accent1"/>
-          </a:fillRef>
-          <a:effectRef idx="0">
-            <a:schemeClr val="accent1"/>
-          </a:effectRef>
-          <a:fontRef idx="minor">
-            <a:schemeClr val="tx1"/>
+          <a:lnRef idx="2">
+            <a:schemeClr val="accent5">
+              <a:shade val="50000"/>
+            </a:schemeClr>
+          </a:lnRef>
+          <a:fillRef idx="1">
+            <a:schemeClr val="accent5"/>
+          </a:fillRef>
+          <a:effectRef idx="0">
+            <a:schemeClr val="accent5"/>
+          </a:effectRef>
+          <a:fontRef idx="minor">
+            <a:schemeClr val="lt1"/>
           </a:fontRef>
         </p:style>
       </p:cxnSp>
@@ -3993,17 +4016,19 @@
           </a:ln>
         </p:spPr>
         <p:style>
-          <a:lnRef idx="1">
-            <a:schemeClr val="accent1"/>
-          </a:lnRef>
-          <a:fillRef idx="0">
-            <a:schemeClr val="accent1"/>
-          </a:fillRef>
-          <a:effectRef idx="0">
-            <a:schemeClr val="accent1"/>
-          </a:effectRef>
-          <a:fontRef idx="minor">
-            <a:schemeClr val="tx1"/>
+          <a:lnRef idx="2">
+            <a:schemeClr val="accent5">
+              <a:shade val="50000"/>
+            </a:schemeClr>
+          </a:lnRef>
+          <a:fillRef idx="1">
+            <a:schemeClr val="accent5"/>
+          </a:fillRef>
+          <a:effectRef idx="0">
+            <a:schemeClr val="accent5"/>
+          </a:effectRef>
+          <a:fontRef idx="minor">
+            <a:schemeClr val="lt1"/>
           </a:fontRef>
         </p:style>
       </p:cxnSp>
@@ -4035,17 +4060,19 @@
           </a:ln>
         </p:spPr>
         <p:style>
-          <a:lnRef idx="1">
-            <a:schemeClr val="accent1"/>
-          </a:lnRef>
-          <a:fillRef idx="0">
-            <a:schemeClr val="accent1"/>
-          </a:fillRef>
-          <a:effectRef idx="0">
-            <a:schemeClr val="accent1"/>
-          </a:effectRef>
-          <a:fontRef idx="minor">
-            <a:schemeClr val="tx1"/>
+          <a:lnRef idx="2">
+            <a:schemeClr val="accent5">
+              <a:shade val="50000"/>
+            </a:schemeClr>
+          </a:lnRef>
+          <a:fillRef idx="1">
+            <a:schemeClr val="accent5"/>
+          </a:fillRef>
+          <a:effectRef idx="0">
+            <a:schemeClr val="accent5"/>
+          </a:effectRef>
+          <a:fontRef idx="minor">
+            <a:schemeClr val="lt1"/>
           </a:fontRef>
         </p:style>
       </p:cxnSp>
@@ -4077,17 +4104,19 @@
           </a:ln>
         </p:spPr>
         <p:style>
-          <a:lnRef idx="1">
-            <a:schemeClr val="accent1"/>
-          </a:lnRef>
-          <a:fillRef idx="0">
-            <a:schemeClr val="accent1"/>
-          </a:fillRef>
-          <a:effectRef idx="0">
-            <a:schemeClr val="accent1"/>
-          </a:effectRef>
-          <a:fontRef idx="minor">
-            <a:schemeClr val="tx1"/>
+          <a:lnRef idx="2">
+            <a:schemeClr val="accent5">
+              <a:shade val="50000"/>
+            </a:schemeClr>
+          </a:lnRef>
+          <a:fillRef idx="1">
+            <a:schemeClr val="accent5"/>
+          </a:fillRef>
+          <a:effectRef idx="0">
+            <a:schemeClr val="accent5"/>
+          </a:effectRef>
+          <a:fontRef idx="minor">
+            <a:schemeClr val="lt1"/>
           </a:fontRef>
         </p:style>
       </p:cxnSp>
@@ -4119,17 +4148,19 @@
           </a:ln>
         </p:spPr>
         <p:style>
-          <a:lnRef idx="1">
-            <a:schemeClr val="accent1"/>
-          </a:lnRef>
-          <a:fillRef idx="0">
-            <a:schemeClr val="accent1"/>
-          </a:fillRef>
-          <a:effectRef idx="0">
-            <a:schemeClr val="accent1"/>
-          </a:effectRef>
-          <a:fontRef idx="minor">
-            <a:schemeClr val="tx1"/>
+          <a:lnRef idx="2">
+            <a:schemeClr val="accent5">
+              <a:shade val="50000"/>
+            </a:schemeClr>
+          </a:lnRef>
+          <a:fillRef idx="1">
+            <a:schemeClr val="accent5"/>
+          </a:fillRef>
+          <a:effectRef idx="0">
+            <a:schemeClr val="accent5"/>
+          </a:effectRef>
+          <a:fontRef idx="minor">
+            <a:schemeClr val="lt1"/>
           </a:fontRef>
         </p:style>
       </p:cxnSp>
@@ -4186,15 +4217,15 @@
         </p:spPr>
         <p:style>
           <a:lnRef idx="2">
-            <a:schemeClr val="accent1">
-              <a:shade val="50000"/>
-            </a:schemeClr>
-          </a:lnRef>
-          <a:fillRef idx="1">
-            <a:schemeClr val="accent1"/>
-          </a:fillRef>
-          <a:effectRef idx="0">
-            <a:schemeClr val="accent1"/>
+            <a:schemeClr val="accent5">
+              <a:shade val="50000"/>
+            </a:schemeClr>
+          </a:lnRef>
+          <a:fillRef idx="1">
+            <a:schemeClr val="accent5"/>
+          </a:fillRef>
+          <a:effectRef idx="0">
+            <a:schemeClr val="accent5"/>
           </a:effectRef>
           <a:fontRef idx="minor">
             <a:schemeClr val="lt1"/>
@@ -4240,15 +4271,15 @@
         </p:spPr>
         <p:style>
           <a:lnRef idx="2">
-            <a:schemeClr val="accent1">
-              <a:shade val="50000"/>
-            </a:schemeClr>
-          </a:lnRef>
-          <a:fillRef idx="1">
-            <a:schemeClr val="accent1"/>
-          </a:fillRef>
-          <a:effectRef idx="0">
-            <a:schemeClr val="accent1"/>
+            <a:schemeClr val="accent5">
+              <a:shade val="50000"/>
+            </a:schemeClr>
+          </a:lnRef>
+          <a:fillRef idx="1">
+            <a:schemeClr val="accent5"/>
+          </a:fillRef>
+          <a:effectRef idx="0">
+            <a:schemeClr val="accent5"/>
           </a:effectRef>
           <a:fontRef idx="minor">
             <a:schemeClr val="lt1"/>
@@ -4290,15 +4321,15 @@
         </p:spPr>
         <p:style>
           <a:lnRef idx="2">
-            <a:schemeClr val="accent1">
-              <a:shade val="50000"/>
-            </a:schemeClr>
-          </a:lnRef>
-          <a:fillRef idx="1">
-            <a:schemeClr val="accent1"/>
-          </a:fillRef>
-          <a:effectRef idx="0">
-            <a:schemeClr val="accent1"/>
+            <a:schemeClr val="accent5">
+              <a:shade val="50000"/>
+            </a:schemeClr>
+          </a:lnRef>
+          <a:fillRef idx="1">
+            <a:schemeClr val="accent5"/>
+          </a:fillRef>
+          <a:effectRef idx="0">
+            <a:schemeClr val="accent5"/>
           </a:effectRef>
           <a:fontRef idx="minor">
             <a:schemeClr val="lt1"/>
@@ -4340,15 +4371,15 @@
         </p:spPr>
         <p:style>
           <a:lnRef idx="2">
-            <a:schemeClr val="accent1">
-              <a:shade val="50000"/>
-            </a:schemeClr>
-          </a:lnRef>
-          <a:fillRef idx="1">
-            <a:schemeClr val="accent1"/>
-          </a:fillRef>
-          <a:effectRef idx="0">
-            <a:schemeClr val="accent1"/>
+            <a:schemeClr val="accent5">
+              <a:shade val="50000"/>
+            </a:schemeClr>
+          </a:lnRef>
+          <a:fillRef idx="1">
+            <a:schemeClr val="accent5"/>
+          </a:fillRef>
+          <a:effectRef idx="0">
+            <a:schemeClr val="accent5"/>
           </a:effectRef>
           <a:fontRef idx="minor">
             <a:schemeClr val="lt1"/>
@@ -4390,15 +4421,15 @@
         </p:spPr>
         <p:style>
           <a:lnRef idx="2">
-            <a:schemeClr val="accent1">
-              <a:shade val="50000"/>
-            </a:schemeClr>
-          </a:lnRef>
-          <a:fillRef idx="1">
-            <a:schemeClr val="accent1"/>
-          </a:fillRef>
-          <a:effectRef idx="0">
-            <a:schemeClr val="accent1"/>
+            <a:schemeClr val="accent5">
+              <a:shade val="50000"/>
+            </a:schemeClr>
+          </a:lnRef>
+          <a:fillRef idx="1">
+            <a:schemeClr val="accent5"/>
+          </a:fillRef>
+          <a:effectRef idx="0">
+            <a:schemeClr val="accent5"/>
           </a:effectRef>
           <a:fontRef idx="minor">
             <a:schemeClr val="lt1"/>
@@ -4440,15 +4471,15 @@
         </p:spPr>
         <p:style>
           <a:lnRef idx="2">
-            <a:schemeClr val="accent1">
-              <a:shade val="50000"/>
-            </a:schemeClr>
-          </a:lnRef>
-          <a:fillRef idx="1">
-            <a:schemeClr val="accent1"/>
-          </a:fillRef>
-          <a:effectRef idx="0">
-            <a:schemeClr val="accent1"/>
+            <a:schemeClr val="accent5">
+              <a:shade val="50000"/>
+            </a:schemeClr>
+          </a:lnRef>
+          <a:fillRef idx="1">
+            <a:schemeClr val="accent5"/>
+          </a:fillRef>
+          <a:effectRef idx="0">
+            <a:schemeClr val="accent5"/>
           </a:effectRef>
           <a:fontRef idx="minor">
             <a:schemeClr val="lt1"/>
@@ -4497,15 +4528,15 @@
         </p:spPr>
         <p:style>
           <a:lnRef idx="2">
-            <a:schemeClr val="accent1">
-              <a:shade val="50000"/>
-            </a:schemeClr>
-          </a:lnRef>
-          <a:fillRef idx="1">
-            <a:schemeClr val="accent1"/>
-          </a:fillRef>
-          <a:effectRef idx="0">
-            <a:schemeClr val="accent1"/>
+            <a:schemeClr val="accent5">
+              <a:shade val="50000"/>
+            </a:schemeClr>
+          </a:lnRef>
+          <a:fillRef idx="1">
+            <a:schemeClr val="accent5"/>
+          </a:fillRef>
+          <a:effectRef idx="0">
+            <a:schemeClr val="accent5"/>
           </a:effectRef>
           <a:fontRef idx="minor">
             <a:schemeClr val="lt1"/>
@@ -4561,17 +4592,19 @@
           </a:ln>
         </p:spPr>
         <p:style>
-          <a:lnRef idx="1">
-            <a:schemeClr val="accent1"/>
-          </a:lnRef>
-          <a:fillRef idx="0">
-            <a:schemeClr val="accent1"/>
-          </a:fillRef>
-          <a:effectRef idx="0">
-            <a:schemeClr val="accent1"/>
-          </a:effectRef>
-          <a:fontRef idx="minor">
-            <a:schemeClr val="tx1"/>
+          <a:lnRef idx="2">
+            <a:schemeClr val="accent5">
+              <a:shade val="50000"/>
+            </a:schemeClr>
+          </a:lnRef>
+          <a:fillRef idx="1">
+            <a:schemeClr val="accent5"/>
+          </a:fillRef>
+          <a:effectRef idx="0">
+            <a:schemeClr val="accent5"/>
+          </a:effectRef>
+          <a:fontRef idx="minor">
+            <a:schemeClr val="lt1"/>
           </a:fontRef>
         </p:style>
       </p:cxnSp>
@@ -4603,17 +4636,19 @@
           </a:ln>
         </p:spPr>
         <p:style>
-          <a:lnRef idx="1">
-            <a:schemeClr val="accent1"/>
-          </a:lnRef>
-          <a:fillRef idx="0">
-            <a:schemeClr val="accent1"/>
-          </a:fillRef>
-          <a:effectRef idx="0">
-            <a:schemeClr val="accent1"/>
-          </a:effectRef>
-          <a:fontRef idx="minor">
-            <a:schemeClr val="tx1"/>
+          <a:lnRef idx="2">
+            <a:schemeClr val="accent5">
+              <a:shade val="50000"/>
+            </a:schemeClr>
+          </a:lnRef>
+          <a:fillRef idx="1">
+            <a:schemeClr val="accent5"/>
+          </a:fillRef>
+          <a:effectRef idx="0">
+            <a:schemeClr val="accent5"/>
+          </a:effectRef>
+          <a:fontRef idx="minor">
+            <a:schemeClr val="lt1"/>
           </a:fontRef>
         </p:style>
       </p:cxnSp>
@@ -4646,17 +4681,19 @@
           </a:ln>
         </p:spPr>
         <p:style>
-          <a:lnRef idx="1">
-            <a:schemeClr val="accent1"/>
-          </a:lnRef>
-          <a:fillRef idx="0">
-            <a:schemeClr val="accent1"/>
-          </a:fillRef>
-          <a:effectRef idx="0">
-            <a:schemeClr val="accent1"/>
-          </a:effectRef>
-          <a:fontRef idx="minor">
-            <a:schemeClr val="tx1"/>
+          <a:lnRef idx="2">
+            <a:schemeClr val="accent5">
+              <a:shade val="50000"/>
+            </a:schemeClr>
+          </a:lnRef>
+          <a:fillRef idx="1">
+            <a:schemeClr val="accent5"/>
+          </a:fillRef>
+          <a:effectRef idx="0">
+            <a:schemeClr val="accent5"/>
+          </a:effectRef>
+          <a:fontRef idx="minor">
+            <a:schemeClr val="lt1"/>
           </a:fontRef>
         </p:style>
       </p:cxnSp>
@@ -4688,17 +4725,19 @@
           </a:ln>
         </p:spPr>
         <p:style>
-          <a:lnRef idx="1">
-            <a:schemeClr val="accent1"/>
-          </a:lnRef>
-          <a:fillRef idx="0">
-            <a:schemeClr val="accent1"/>
-          </a:fillRef>
-          <a:effectRef idx="0">
-            <a:schemeClr val="accent1"/>
-          </a:effectRef>
-          <a:fontRef idx="minor">
-            <a:schemeClr val="tx1"/>
+          <a:lnRef idx="2">
+            <a:schemeClr val="accent5">
+              <a:shade val="50000"/>
+            </a:schemeClr>
+          </a:lnRef>
+          <a:fillRef idx="1">
+            <a:schemeClr val="accent5"/>
+          </a:fillRef>
+          <a:effectRef idx="0">
+            <a:schemeClr val="accent5"/>
+          </a:effectRef>
+          <a:fontRef idx="minor">
+            <a:schemeClr val="lt1"/>
           </a:fontRef>
         </p:style>
       </p:cxnSp>
@@ -4730,17 +4769,19 @@
           </a:ln>
         </p:spPr>
         <p:style>
-          <a:lnRef idx="1">
-            <a:schemeClr val="accent1"/>
-          </a:lnRef>
-          <a:fillRef idx="0">
-            <a:schemeClr val="accent1"/>
-          </a:fillRef>
-          <a:effectRef idx="0">
-            <a:schemeClr val="accent1"/>
-          </a:effectRef>
-          <a:fontRef idx="minor">
-            <a:schemeClr val="tx1"/>
+          <a:lnRef idx="2">
+            <a:schemeClr val="accent5">
+              <a:shade val="50000"/>
+            </a:schemeClr>
+          </a:lnRef>
+          <a:fillRef idx="1">
+            <a:schemeClr val="accent5"/>
+          </a:fillRef>
+          <a:effectRef idx="0">
+            <a:schemeClr val="accent5"/>
+          </a:effectRef>
+          <a:fontRef idx="minor">
+            <a:schemeClr val="lt1"/>
           </a:fontRef>
         </p:style>
       </p:cxnSp>
@@ -4767,15 +4808,15 @@
         </p:spPr>
         <p:style>
           <a:lnRef idx="2">
-            <a:schemeClr val="accent1">
-              <a:shade val="50000"/>
-            </a:schemeClr>
-          </a:lnRef>
-          <a:fillRef idx="1">
-            <a:schemeClr val="accent1"/>
-          </a:fillRef>
-          <a:effectRef idx="0">
-            <a:schemeClr val="accent1"/>
+            <a:schemeClr val="accent5">
+              <a:shade val="50000"/>
+            </a:schemeClr>
+          </a:lnRef>
+          <a:fillRef idx="1">
+            <a:schemeClr val="accent5"/>
+          </a:fillRef>
+          <a:effectRef idx="0">
+            <a:schemeClr val="accent5"/>
           </a:effectRef>
           <a:fontRef idx="minor">
             <a:schemeClr val="lt1"/>
@@ -4826,17 +4867,19 @@
           </a:ln>
         </p:spPr>
         <p:style>
-          <a:lnRef idx="1">
-            <a:schemeClr val="accent1"/>
-          </a:lnRef>
-          <a:fillRef idx="0">
-            <a:schemeClr val="accent1"/>
-          </a:fillRef>
-          <a:effectRef idx="0">
-            <a:schemeClr val="accent1"/>
-          </a:effectRef>
-          <a:fontRef idx="minor">
-            <a:schemeClr val="tx1"/>
+          <a:lnRef idx="2">
+            <a:schemeClr val="accent5">
+              <a:shade val="50000"/>
+            </a:schemeClr>
+          </a:lnRef>
+          <a:fillRef idx="1">
+            <a:schemeClr val="accent5"/>
+          </a:fillRef>
+          <a:effectRef idx="0">
+            <a:schemeClr val="accent5"/>
+          </a:effectRef>
+          <a:fontRef idx="minor">
+            <a:schemeClr val="lt1"/>
           </a:fontRef>
         </p:style>
       </p:cxnSp>
@@ -4893,15 +4936,15 @@
         </p:spPr>
         <p:style>
           <a:lnRef idx="2">
-            <a:schemeClr val="accent1">
-              <a:shade val="50000"/>
-            </a:schemeClr>
-          </a:lnRef>
-          <a:fillRef idx="1">
-            <a:schemeClr val="accent1"/>
-          </a:fillRef>
-          <a:effectRef idx="0">
-            <a:schemeClr val="accent1"/>
+            <a:schemeClr val="accent5">
+              <a:shade val="50000"/>
+            </a:schemeClr>
+          </a:lnRef>
+          <a:fillRef idx="1">
+            <a:schemeClr val="accent5"/>
+          </a:fillRef>
+          <a:effectRef idx="0">
+            <a:schemeClr val="accent5"/>
           </a:effectRef>
           <a:fontRef idx="minor">
             <a:schemeClr val="lt1"/>
@@ -4947,15 +4990,15 @@
         </p:spPr>
         <p:style>
           <a:lnRef idx="2">
-            <a:schemeClr val="accent1">
-              <a:shade val="50000"/>
-            </a:schemeClr>
-          </a:lnRef>
-          <a:fillRef idx="1">
-            <a:schemeClr val="accent1"/>
-          </a:fillRef>
-          <a:effectRef idx="0">
-            <a:schemeClr val="accent1"/>
+            <a:schemeClr val="accent5">
+              <a:shade val="50000"/>
+            </a:schemeClr>
+          </a:lnRef>
+          <a:fillRef idx="1">
+            <a:schemeClr val="accent5"/>
+          </a:fillRef>
+          <a:effectRef idx="0">
+            <a:schemeClr val="accent5"/>
           </a:effectRef>
           <a:fontRef idx="minor">
             <a:schemeClr val="lt1"/>
@@ -4997,15 +5040,15 @@
         </p:spPr>
         <p:style>
           <a:lnRef idx="2">
-            <a:schemeClr val="accent1">
-              <a:shade val="50000"/>
-            </a:schemeClr>
-          </a:lnRef>
-          <a:fillRef idx="1">
-            <a:schemeClr val="accent1"/>
-          </a:fillRef>
-          <a:effectRef idx="0">
-            <a:schemeClr val="accent1"/>
+            <a:schemeClr val="accent5">
+              <a:shade val="50000"/>
+            </a:schemeClr>
+          </a:lnRef>
+          <a:fillRef idx="1">
+            <a:schemeClr val="accent5"/>
+          </a:fillRef>
+          <a:effectRef idx="0">
+            <a:schemeClr val="accent5"/>
           </a:effectRef>
           <a:fontRef idx="minor">
             <a:schemeClr val="lt1"/>
@@ -5047,15 +5090,15 @@
         </p:spPr>
         <p:style>
           <a:lnRef idx="2">
-            <a:schemeClr val="accent1">
-              <a:shade val="50000"/>
-            </a:schemeClr>
-          </a:lnRef>
-          <a:fillRef idx="1">
-            <a:schemeClr val="accent1"/>
-          </a:fillRef>
-          <a:effectRef idx="0">
-            <a:schemeClr val="accent1"/>
+            <a:schemeClr val="accent5">
+              <a:shade val="50000"/>
+            </a:schemeClr>
+          </a:lnRef>
+          <a:fillRef idx="1">
+            <a:schemeClr val="accent5"/>
+          </a:fillRef>
+          <a:effectRef idx="0">
+            <a:schemeClr val="accent5"/>
           </a:effectRef>
           <a:fontRef idx="minor">
             <a:schemeClr val="lt1"/>
@@ -5097,15 +5140,15 @@
         </p:spPr>
         <p:style>
           <a:lnRef idx="2">
-            <a:schemeClr val="accent1">
-              <a:shade val="50000"/>
-            </a:schemeClr>
-          </a:lnRef>
-          <a:fillRef idx="1">
-            <a:schemeClr val="accent1"/>
-          </a:fillRef>
-          <a:effectRef idx="0">
-            <a:schemeClr val="accent1"/>
+            <a:schemeClr val="accent5">
+              <a:shade val="50000"/>
+            </a:schemeClr>
+          </a:lnRef>
+          <a:fillRef idx="1">
+            <a:schemeClr val="accent5"/>
+          </a:fillRef>
+          <a:effectRef idx="0">
+            <a:schemeClr val="accent5"/>
           </a:effectRef>
           <a:fontRef idx="minor">
             <a:schemeClr val="lt1"/>
@@ -5147,15 +5190,15 @@
         </p:spPr>
         <p:style>
           <a:lnRef idx="2">
-            <a:schemeClr val="accent1">
-              <a:shade val="50000"/>
-            </a:schemeClr>
-          </a:lnRef>
-          <a:fillRef idx="1">
-            <a:schemeClr val="accent1"/>
-          </a:fillRef>
-          <a:effectRef idx="0">
-            <a:schemeClr val="accent1"/>
+            <a:schemeClr val="accent5">
+              <a:shade val="50000"/>
+            </a:schemeClr>
+          </a:lnRef>
+          <a:fillRef idx="1">
+            <a:schemeClr val="accent5"/>
+          </a:fillRef>
+          <a:effectRef idx="0">
+            <a:schemeClr val="accent5"/>
           </a:effectRef>
           <a:fontRef idx="minor">
             <a:schemeClr val="lt1"/>
@@ -5202,17 +5245,19 @@
           </a:ln>
         </p:spPr>
         <p:style>
-          <a:lnRef idx="1">
-            <a:schemeClr val="accent1"/>
-          </a:lnRef>
-          <a:fillRef idx="0">
-            <a:schemeClr val="accent1"/>
-          </a:fillRef>
-          <a:effectRef idx="0">
-            <a:schemeClr val="accent1"/>
-          </a:effectRef>
-          <a:fontRef idx="minor">
-            <a:schemeClr val="tx1"/>
+          <a:lnRef idx="2">
+            <a:schemeClr val="accent5">
+              <a:shade val="50000"/>
+            </a:schemeClr>
+          </a:lnRef>
+          <a:fillRef idx="1">
+            <a:schemeClr val="accent5"/>
+          </a:fillRef>
+          <a:effectRef idx="0">
+            <a:schemeClr val="accent5"/>
+          </a:effectRef>
+          <a:fontRef idx="minor">
+            <a:schemeClr val="lt1"/>
           </a:fontRef>
         </p:style>
       </p:cxnSp>
@@ -5244,17 +5289,19 @@
           </a:ln>
         </p:spPr>
         <p:style>
-          <a:lnRef idx="1">
-            <a:schemeClr val="accent1"/>
-          </a:lnRef>
-          <a:fillRef idx="0">
-            <a:schemeClr val="accent1"/>
-          </a:fillRef>
-          <a:effectRef idx="0">
-            <a:schemeClr val="accent1"/>
-          </a:effectRef>
-          <a:fontRef idx="minor">
-            <a:schemeClr val="tx1"/>
+          <a:lnRef idx="2">
+            <a:schemeClr val="accent5">
+              <a:shade val="50000"/>
+            </a:schemeClr>
+          </a:lnRef>
+          <a:fillRef idx="1">
+            <a:schemeClr val="accent5"/>
+          </a:fillRef>
+          <a:effectRef idx="0">
+            <a:schemeClr val="accent5"/>
+          </a:effectRef>
+          <a:fontRef idx="minor">
+            <a:schemeClr val="lt1"/>
           </a:fontRef>
         </p:style>
       </p:cxnSp>
@@ -5285,17 +5332,19 @@
           </a:ln>
         </p:spPr>
         <p:style>
-          <a:lnRef idx="1">
-            <a:schemeClr val="accent1"/>
-          </a:lnRef>
-          <a:fillRef idx="0">
-            <a:schemeClr val="accent1"/>
-          </a:fillRef>
-          <a:effectRef idx="0">
-            <a:schemeClr val="accent1"/>
-          </a:effectRef>
-          <a:fontRef idx="minor">
-            <a:schemeClr val="tx1"/>
+          <a:lnRef idx="2">
+            <a:schemeClr val="accent5">
+              <a:shade val="50000"/>
+            </a:schemeClr>
+          </a:lnRef>
+          <a:fillRef idx="1">
+            <a:schemeClr val="accent5"/>
+          </a:fillRef>
+          <a:effectRef idx="0">
+            <a:schemeClr val="accent5"/>
+          </a:effectRef>
+          <a:fontRef idx="minor">
+            <a:schemeClr val="lt1"/>
           </a:fontRef>
         </p:style>
       </p:cxnSp>
@@ -5326,17 +5375,19 @@
           </a:ln>
         </p:spPr>
         <p:style>
-          <a:lnRef idx="1">
-            <a:schemeClr val="accent1"/>
-          </a:lnRef>
-          <a:fillRef idx="0">
-            <a:schemeClr val="accent1"/>
-          </a:fillRef>
-          <a:effectRef idx="0">
-            <a:schemeClr val="accent1"/>
-          </a:effectRef>
-          <a:fontRef idx="minor">
-            <a:schemeClr val="tx1"/>
+          <a:lnRef idx="2">
+            <a:schemeClr val="accent5">
+              <a:shade val="50000"/>
+            </a:schemeClr>
+          </a:lnRef>
+          <a:fillRef idx="1">
+            <a:schemeClr val="accent5"/>
+          </a:fillRef>
+          <a:effectRef idx="0">
+            <a:schemeClr val="accent5"/>
+          </a:effectRef>
+          <a:fontRef idx="minor">
+            <a:schemeClr val="lt1"/>
           </a:fontRef>
         </p:style>
       </p:cxnSp>
@@ -5368,17 +5419,19 @@
           </a:ln>
         </p:spPr>
         <p:style>
-          <a:lnRef idx="1">
-            <a:schemeClr val="accent1"/>
-          </a:lnRef>
-          <a:fillRef idx="0">
-            <a:schemeClr val="accent1"/>
-          </a:fillRef>
-          <a:effectRef idx="0">
-            <a:schemeClr val="accent1"/>
-          </a:effectRef>
-          <a:fontRef idx="minor">
-            <a:schemeClr val="tx1"/>
+          <a:lnRef idx="2">
+            <a:schemeClr val="accent5">
+              <a:shade val="50000"/>
+            </a:schemeClr>
+          </a:lnRef>
+          <a:fillRef idx="1">
+            <a:schemeClr val="accent5"/>
+          </a:fillRef>
+          <a:effectRef idx="0">
+            <a:schemeClr val="accent5"/>
+          </a:effectRef>
+          <a:fontRef idx="minor">
+            <a:schemeClr val="lt1"/>
           </a:fontRef>
         </p:style>
       </p:cxnSp>
@@ -5410,17 +5463,19 @@
           </a:prstGeom>
         </p:spPr>
         <p:style>
-          <a:lnRef idx="1">
-            <a:schemeClr val="accent1"/>
-          </a:lnRef>
-          <a:fillRef idx="0">
-            <a:schemeClr val="accent1"/>
-          </a:fillRef>
-          <a:effectRef idx="0">
-            <a:schemeClr val="accent1"/>
-          </a:effectRef>
-          <a:fontRef idx="minor">
-            <a:schemeClr val="tx1"/>
+          <a:lnRef idx="2">
+            <a:schemeClr val="accent5">
+              <a:shade val="50000"/>
+            </a:schemeClr>
+          </a:lnRef>
+          <a:fillRef idx="1">
+            <a:schemeClr val="accent5"/>
+          </a:fillRef>
+          <a:effectRef idx="0">
+            <a:schemeClr val="accent5"/>
+          </a:effectRef>
+          <a:fontRef idx="minor">
+            <a:schemeClr val="lt1"/>
           </a:fontRef>
         </p:style>
       </p:cxnSp>
@@ -5448,17 +5503,19 @@
           </a:prstGeom>
         </p:spPr>
         <p:style>
-          <a:lnRef idx="1">
-            <a:schemeClr val="accent1"/>
-          </a:lnRef>
-          <a:fillRef idx="0">
-            <a:schemeClr val="accent1"/>
-          </a:fillRef>
-          <a:effectRef idx="0">
-            <a:schemeClr val="accent1"/>
-          </a:effectRef>
-          <a:fontRef idx="minor">
-            <a:schemeClr val="tx1"/>
+          <a:lnRef idx="2">
+            <a:schemeClr val="accent5">
+              <a:shade val="50000"/>
+            </a:schemeClr>
+          </a:lnRef>
+          <a:fillRef idx="1">
+            <a:schemeClr val="accent5"/>
+          </a:fillRef>
+          <a:effectRef idx="0">
+            <a:schemeClr val="accent5"/>
+          </a:effectRef>
+          <a:fontRef idx="minor">
+            <a:schemeClr val="lt1"/>
           </a:fontRef>
         </p:style>
       </p:cxnSp>
@@ -5487,17 +5544,19 @@
           </a:ln>
         </p:spPr>
         <p:style>
-          <a:lnRef idx="1">
-            <a:schemeClr val="accent1"/>
-          </a:lnRef>
-          <a:fillRef idx="0">
-            <a:schemeClr val="accent1"/>
-          </a:fillRef>
-          <a:effectRef idx="0">
-            <a:schemeClr val="accent1"/>
-          </a:effectRef>
-          <a:fontRef idx="minor">
-            <a:schemeClr val="tx1"/>
+          <a:lnRef idx="2">
+            <a:schemeClr val="accent5">
+              <a:shade val="50000"/>
+            </a:schemeClr>
+          </a:lnRef>
+          <a:fillRef idx="1">
+            <a:schemeClr val="accent5"/>
+          </a:fillRef>
+          <a:effectRef idx="0">
+            <a:schemeClr val="accent5"/>
+          </a:effectRef>
+          <a:fontRef idx="minor">
+            <a:schemeClr val="lt1"/>
           </a:fontRef>
         </p:style>
       </p:cxnSp>
@@ -5521,8 +5580,29 @@
           <a:prstGeom prst="rect">
             <a:avLst/>
           </a:prstGeom>
-          <a:noFill/>
-        </p:spPr>
+          <a:solidFill>
+            <a:schemeClr val="bg1"/>
+          </a:solidFill>
+          <a:ln>
+            <a:noFill/>
+          </a:ln>
+        </p:spPr>
+        <p:style>
+          <a:lnRef idx="2">
+            <a:schemeClr val="accent5">
+              <a:shade val="50000"/>
+            </a:schemeClr>
+          </a:lnRef>
+          <a:fillRef idx="1">
+            <a:schemeClr val="accent5"/>
+          </a:fillRef>
+          <a:effectRef idx="0">
+            <a:schemeClr val="accent5"/>
+          </a:effectRef>
+          <a:fontRef idx="minor">
+            <a:schemeClr val="lt1"/>
+          </a:fontRef>
+        </p:style>
         <p:txBody>
           <a:bodyPr wrap="none" rtlCol="0">
             <a:spAutoFit/>
@@ -5530,10 +5610,18 @@
           <a:lstStyle/>
           <a:p>
             <a:r>
-              <a:rPr lang="es-MX" dirty="0"/>
+              <a:rPr lang="es-MX" dirty="0">
+                <a:solidFill>
+                  <a:schemeClr val="tx1"/>
+                </a:solidFill>
+              </a:rPr>
               <a:t>SI</a:t>
             </a:r>
-            <a:endParaRPr lang="en-US" dirty="0"/>
+            <a:endParaRPr lang="en-US" dirty="0">
+              <a:solidFill>
+                <a:schemeClr val="tx1"/>
+              </a:solidFill>
+            </a:endParaRPr>
           </a:p>
         </p:txBody>
       </p:sp>
@@ -5551,14 +5639,35 @@
         </p:nvSpPr>
         <p:spPr>
           <a:xfrm>
-            <a:off x="5261191" y="5078637"/>
+            <a:off x="5336597" y="5045486"/>
             <a:ext cx="486030" cy="369332"/>
           </a:xfrm>
           <a:prstGeom prst="rect">
             <a:avLst/>
           </a:prstGeom>
-          <a:noFill/>
-        </p:spPr>
+          <a:solidFill>
+            <a:schemeClr val="bg1"/>
+          </a:solidFill>
+          <a:ln>
+            <a:noFill/>
+          </a:ln>
+        </p:spPr>
+        <p:style>
+          <a:lnRef idx="2">
+            <a:schemeClr val="accent5">
+              <a:shade val="50000"/>
+            </a:schemeClr>
+          </a:lnRef>
+          <a:fillRef idx="1">
+            <a:schemeClr val="accent5"/>
+          </a:fillRef>
+          <a:effectRef idx="0">
+            <a:schemeClr val="accent5"/>
+          </a:effectRef>
+          <a:fontRef idx="minor">
+            <a:schemeClr val="lt1"/>
+          </a:fontRef>
+        </p:style>
         <p:txBody>
           <a:bodyPr wrap="none" rtlCol="0">
             <a:spAutoFit/>
@@ -5566,10 +5675,18 @@
           <a:lstStyle/>
           <a:p>
             <a:r>
-              <a:rPr lang="es-MX" dirty="0"/>
+              <a:rPr lang="es-MX" dirty="0">
+                <a:solidFill>
+                  <a:schemeClr val="tx1"/>
+                </a:solidFill>
+              </a:rPr>
               <a:t>NO</a:t>
             </a:r>
-            <a:endParaRPr lang="en-US" dirty="0"/>
+            <a:endParaRPr lang="en-US" dirty="0">
+              <a:solidFill>
+                <a:schemeClr val="tx1"/>
+              </a:solidFill>
+            </a:endParaRPr>
           </a:p>
         </p:txBody>
       </p:sp>
@@ -5587,14 +5704,35 @@
         </p:nvSpPr>
         <p:spPr>
           <a:xfrm>
-            <a:off x="3153319" y="4419418"/>
+            <a:off x="3024120" y="4442074"/>
             <a:ext cx="348172" cy="369332"/>
           </a:xfrm>
           <a:prstGeom prst="rect">
             <a:avLst/>
           </a:prstGeom>
-          <a:noFill/>
-        </p:spPr>
+          <a:solidFill>
+            <a:schemeClr val="bg1"/>
+          </a:solidFill>
+          <a:ln>
+            <a:noFill/>
+          </a:ln>
+        </p:spPr>
+        <p:style>
+          <a:lnRef idx="2">
+            <a:schemeClr val="accent5">
+              <a:shade val="50000"/>
+            </a:schemeClr>
+          </a:lnRef>
+          <a:fillRef idx="1">
+            <a:schemeClr val="accent5"/>
+          </a:fillRef>
+          <a:effectRef idx="0">
+            <a:schemeClr val="accent5"/>
+          </a:effectRef>
+          <a:fontRef idx="minor">
+            <a:schemeClr val="lt1"/>
+          </a:fontRef>
+        </p:style>
         <p:txBody>
           <a:bodyPr wrap="none" rtlCol="0">
             <a:spAutoFit/>
@@ -5602,10 +5740,18 @@
           <a:lstStyle/>
           <a:p>
             <a:r>
-              <a:rPr lang="es-MX" dirty="0"/>
+              <a:rPr lang="es-MX" dirty="0">
+                <a:solidFill>
+                  <a:schemeClr val="tx1"/>
+                </a:solidFill>
+              </a:rPr>
               <a:t>SI</a:t>
             </a:r>
-            <a:endParaRPr lang="en-US" dirty="0"/>
+            <a:endParaRPr lang="en-US" dirty="0">
+              <a:solidFill>
+                <a:schemeClr val="tx1"/>
+              </a:solidFill>
+            </a:endParaRPr>
           </a:p>
         </p:txBody>
       </p:sp>
@@ -5629,8 +5775,29 @@
           <a:prstGeom prst="rect">
             <a:avLst/>
           </a:prstGeom>
-          <a:noFill/>
-        </p:spPr>
+          <a:solidFill>
+            <a:schemeClr val="bg1"/>
+          </a:solidFill>
+          <a:ln>
+            <a:noFill/>
+          </a:ln>
+        </p:spPr>
+        <p:style>
+          <a:lnRef idx="2">
+            <a:schemeClr val="accent5">
+              <a:shade val="50000"/>
+            </a:schemeClr>
+          </a:lnRef>
+          <a:fillRef idx="1">
+            <a:schemeClr val="accent5"/>
+          </a:fillRef>
+          <a:effectRef idx="0">
+            <a:schemeClr val="accent5"/>
+          </a:effectRef>
+          <a:fontRef idx="minor">
+            <a:schemeClr val="lt1"/>
+          </a:fontRef>
+        </p:style>
         <p:txBody>
           <a:bodyPr wrap="none" rtlCol="0">
             <a:spAutoFit/>
@@ -5638,10 +5805,18 @@
           <a:lstStyle/>
           <a:p>
             <a:r>
-              <a:rPr lang="es-MX" dirty="0"/>
+              <a:rPr lang="es-MX" dirty="0">
+                <a:solidFill>
+                  <a:schemeClr val="tx1"/>
+                </a:solidFill>
+              </a:rPr>
               <a:t>NO</a:t>
             </a:r>
-            <a:endParaRPr lang="en-US" dirty="0"/>
+            <a:endParaRPr lang="en-US" dirty="0">
+              <a:solidFill>
+                <a:schemeClr val="tx1"/>
+              </a:solidFill>
+            </a:endParaRPr>
           </a:p>
         </p:txBody>
       </p:sp>
@@ -5668,15 +5843,15 @@
         </p:spPr>
         <p:style>
           <a:lnRef idx="2">
-            <a:schemeClr val="accent1">
-              <a:shade val="50000"/>
-            </a:schemeClr>
-          </a:lnRef>
-          <a:fillRef idx="1">
-            <a:schemeClr val="accent1"/>
-          </a:fillRef>
-          <a:effectRef idx="0">
-            <a:schemeClr val="accent1"/>
+            <a:schemeClr val="accent5">
+              <a:shade val="50000"/>
+            </a:schemeClr>
+          </a:lnRef>
+          <a:fillRef idx="1">
+            <a:schemeClr val="accent5"/>
+          </a:fillRef>
+          <a:effectRef idx="0">
+            <a:schemeClr val="accent5"/>
           </a:effectRef>
           <a:fontRef idx="minor">
             <a:schemeClr val="lt1"/>
@@ -5727,17 +5902,19 @@
           </a:prstGeom>
         </p:spPr>
         <p:style>
-          <a:lnRef idx="1">
-            <a:schemeClr val="accent1"/>
-          </a:lnRef>
-          <a:fillRef idx="0">
-            <a:schemeClr val="accent1"/>
-          </a:fillRef>
-          <a:effectRef idx="0">
-            <a:schemeClr val="accent1"/>
-          </a:effectRef>
-          <a:fontRef idx="minor">
-            <a:schemeClr val="tx1"/>
+          <a:lnRef idx="2">
+            <a:schemeClr val="accent5">
+              <a:shade val="50000"/>
+            </a:schemeClr>
+          </a:lnRef>
+          <a:fillRef idx="1">
+            <a:schemeClr val="accent5"/>
+          </a:fillRef>
+          <a:effectRef idx="0">
+            <a:schemeClr val="accent5"/>
+          </a:effectRef>
+          <a:fontRef idx="minor">
+            <a:schemeClr val="lt1"/>
           </a:fontRef>
         </p:style>
       </p:cxnSp>
@@ -5794,15 +5971,15 @@
         </p:spPr>
         <p:style>
           <a:lnRef idx="2">
-            <a:schemeClr val="accent1">
-              <a:shade val="50000"/>
-            </a:schemeClr>
-          </a:lnRef>
-          <a:fillRef idx="1">
-            <a:schemeClr val="accent1"/>
-          </a:fillRef>
-          <a:effectRef idx="0">
-            <a:schemeClr val="accent1"/>
+            <a:schemeClr val="accent5">
+              <a:shade val="50000"/>
+            </a:schemeClr>
+          </a:lnRef>
+          <a:fillRef idx="1">
+            <a:schemeClr val="accent5"/>
+          </a:fillRef>
+          <a:effectRef idx="0">
+            <a:schemeClr val="accent5"/>
           </a:effectRef>
           <a:fontRef idx="minor">
             <a:schemeClr val="lt1"/>
@@ -5848,15 +6025,15 @@
         </p:spPr>
         <p:style>
           <a:lnRef idx="2">
-            <a:schemeClr val="accent1">
-              <a:shade val="50000"/>
-            </a:schemeClr>
-          </a:lnRef>
-          <a:fillRef idx="1">
-            <a:schemeClr val="accent1"/>
-          </a:fillRef>
-          <a:effectRef idx="0">
-            <a:schemeClr val="accent1"/>
+            <a:schemeClr val="accent5">
+              <a:shade val="50000"/>
+            </a:schemeClr>
+          </a:lnRef>
+          <a:fillRef idx="1">
+            <a:schemeClr val="accent5"/>
+          </a:fillRef>
+          <a:effectRef idx="0">
+            <a:schemeClr val="accent5"/>
           </a:effectRef>
           <a:fontRef idx="minor">
             <a:schemeClr val="lt1"/>
@@ -5898,15 +6075,15 @@
         </p:spPr>
         <p:style>
           <a:lnRef idx="2">
-            <a:schemeClr val="accent1">
-              <a:shade val="50000"/>
-            </a:schemeClr>
-          </a:lnRef>
-          <a:fillRef idx="1">
-            <a:schemeClr val="accent1"/>
-          </a:fillRef>
-          <a:effectRef idx="0">
-            <a:schemeClr val="accent1"/>
+            <a:schemeClr val="accent5">
+              <a:shade val="50000"/>
+            </a:schemeClr>
+          </a:lnRef>
+          <a:fillRef idx="1">
+            <a:schemeClr val="accent5"/>
+          </a:fillRef>
+          <a:effectRef idx="0">
+            <a:schemeClr val="accent5"/>
           </a:effectRef>
           <a:fontRef idx="minor">
             <a:schemeClr val="lt1"/>
@@ -5948,15 +6125,15 @@
         </p:spPr>
         <p:style>
           <a:lnRef idx="2">
-            <a:schemeClr val="accent1">
-              <a:shade val="50000"/>
-            </a:schemeClr>
-          </a:lnRef>
-          <a:fillRef idx="1">
-            <a:schemeClr val="accent1"/>
-          </a:fillRef>
-          <a:effectRef idx="0">
-            <a:schemeClr val="accent1"/>
+            <a:schemeClr val="accent5">
+              <a:shade val="50000"/>
+            </a:schemeClr>
+          </a:lnRef>
+          <a:fillRef idx="1">
+            <a:schemeClr val="accent5"/>
+          </a:fillRef>
+          <a:effectRef idx="0">
+            <a:schemeClr val="accent5"/>
           </a:effectRef>
           <a:fontRef idx="minor">
             <a:schemeClr val="lt1"/>
@@ -5997,15 +6174,15 @@
         </p:spPr>
         <p:style>
           <a:lnRef idx="2">
-            <a:schemeClr val="accent1">
-              <a:shade val="50000"/>
-            </a:schemeClr>
-          </a:lnRef>
-          <a:fillRef idx="1">
-            <a:schemeClr val="accent1"/>
-          </a:fillRef>
-          <a:effectRef idx="0">
-            <a:schemeClr val="accent1"/>
+            <a:schemeClr val="accent5">
+              <a:shade val="50000"/>
+            </a:schemeClr>
+          </a:lnRef>
+          <a:fillRef idx="1">
+            <a:schemeClr val="accent5"/>
+          </a:fillRef>
+          <a:effectRef idx="0">
+            <a:schemeClr val="accent5"/>
           </a:effectRef>
           <a:fontRef idx="minor">
             <a:schemeClr val="lt1"/>
@@ -6047,15 +6224,15 @@
         </p:spPr>
         <p:style>
           <a:lnRef idx="2">
-            <a:schemeClr val="accent1">
-              <a:shade val="50000"/>
-            </a:schemeClr>
-          </a:lnRef>
-          <a:fillRef idx="1">
-            <a:schemeClr val="accent1"/>
-          </a:fillRef>
-          <a:effectRef idx="0">
-            <a:schemeClr val="accent1"/>
+            <a:schemeClr val="accent5">
+              <a:shade val="50000"/>
+            </a:schemeClr>
+          </a:lnRef>
+          <a:fillRef idx="1">
+            <a:schemeClr val="accent5"/>
+          </a:fillRef>
+          <a:effectRef idx="0">
+            <a:schemeClr val="accent5"/>
           </a:effectRef>
           <a:fontRef idx="minor">
             <a:schemeClr val="lt1"/>
@@ -6097,15 +6274,15 @@
         </p:spPr>
         <p:style>
           <a:lnRef idx="2">
-            <a:schemeClr val="accent1">
-              <a:shade val="50000"/>
-            </a:schemeClr>
-          </a:lnRef>
-          <a:fillRef idx="1">
-            <a:schemeClr val="accent1"/>
-          </a:fillRef>
-          <a:effectRef idx="0">
-            <a:schemeClr val="accent1"/>
+            <a:schemeClr val="accent5">
+              <a:shade val="50000"/>
+            </a:schemeClr>
+          </a:lnRef>
+          <a:fillRef idx="1">
+            <a:schemeClr val="accent5"/>
+          </a:fillRef>
+          <a:effectRef idx="0">
+            <a:schemeClr val="accent5"/>
           </a:effectRef>
           <a:fontRef idx="minor">
             <a:schemeClr val="lt1"/>
@@ -6156,17 +6333,19 @@
           </a:ln>
         </p:spPr>
         <p:style>
-          <a:lnRef idx="1">
-            <a:schemeClr val="accent1"/>
-          </a:lnRef>
-          <a:fillRef idx="0">
-            <a:schemeClr val="accent1"/>
-          </a:fillRef>
-          <a:effectRef idx="0">
-            <a:schemeClr val="accent1"/>
-          </a:effectRef>
-          <a:fontRef idx="minor">
-            <a:schemeClr val="tx1"/>
+          <a:lnRef idx="2">
+            <a:schemeClr val="accent5">
+              <a:shade val="50000"/>
+            </a:schemeClr>
+          </a:lnRef>
+          <a:fillRef idx="1">
+            <a:schemeClr val="accent5"/>
+          </a:fillRef>
+          <a:effectRef idx="0">
+            <a:schemeClr val="accent5"/>
+          </a:effectRef>
+          <a:fontRef idx="minor">
+            <a:schemeClr val="lt1"/>
           </a:fontRef>
         </p:style>
       </p:cxnSp>
@@ -6198,17 +6377,19 @@
           </a:ln>
         </p:spPr>
         <p:style>
-          <a:lnRef idx="1">
-            <a:schemeClr val="accent1"/>
-          </a:lnRef>
-          <a:fillRef idx="0">
-            <a:schemeClr val="accent1"/>
-          </a:fillRef>
-          <a:effectRef idx="0">
-            <a:schemeClr val="accent1"/>
-          </a:effectRef>
-          <a:fontRef idx="minor">
-            <a:schemeClr val="tx1"/>
+          <a:lnRef idx="2">
+            <a:schemeClr val="accent5">
+              <a:shade val="50000"/>
+            </a:schemeClr>
+          </a:lnRef>
+          <a:fillRef idx="1">
+            <a:schemeClr val="accent5"/>
+          </a:fillRef>
+          <a:effectRef idx="0">
+            <a:schemeClr val="accent5"/>
+          </a:effectRef>
+          <a:fontRef idx="minor">
+            <a:schemeClr val="lt1"/>
           </a:fontRef>
         </p:style>
       </p:cxnSp>
@@ -6240,17 +6421,19 @@
           </a:ln>
         </p:spPr>
         <p:style>
-          <a:lnRef idx="1">
-            <a:schemeClr val="accent1"/>
-          </a:lnRef>
-          <a:fillRef idx="0">
-            <a:schemeClr val="accent1"/>
-          </a:fillRef>
-          <a:effectRef idx="0">
-            <a:schemeClr val="accent1"/>
-          </a:effectRef>
-          <a:fontRef idx="minor">
-            <a:schemeClr val="tx1"/>
+          <a:lnRef idx="2">
+            <a:schemeClr val="accent5">
+              <a:shade val="50000"/>
+            </a:schemeClr>
+          </a:lnRef>
+          <a:fillRef idx="1">
+            <a:schemeClr val="accent5"/>
+          </a:fillRef>
+          <a:effectRef idx="0">
+            <a:schemeClr val="accent5"/>
+          </a:effectRef>
+          <a:fontRef idx="minor">
+            <a:schemeClr val="lt1"/>
           </a:fontRef>
         </p:style>
       </p:cxnSp>
@@ -6282,17 +6465,19 @@
           </a:ln>
         </p:spPr>
         <p:style>
-          <a:lnRef idx="1">
-            <a:schemeClr val="accent1"/>
-          </a:lnRef>
-          <a:fillRef idx="0">
-            <a:schemeClr val="accent1"/>
-          </a:fillRef>
-          <a:effectRef idx="0">
-            <a:schemeClr val="accent1"/>
-          </a:effectRef>
-          <a:fontRef idx="minor">
-            <a:schemeClr val="tx1"/>
+          <a:lnRef idx="2">
+            <a:schemeClr val="accent5">
+              <a:shade val="50000"/>
+            </a:schemeClr>
+          </a:lnRef>
+          <a:fillRef idx="1">
+            <a:schemeClr val="accent5"/>
+          </a:fillRef>
+          <a:effectRef idx="0">
+            <a:schemeClr val="accent5"/>
+          </a:effectRef>
+          <a:fontRef idx="minor">
+            <a:schemeClr val="lt1"/>
           </a:fontRef>
         </p:style>
       </p:cxnSp>
@@ -6324,17 +6509,19 @@
           </a:ln>
         </p:spPr>
         <p:style>
-          <a:lnRef idx="1">
-            <a:schemeClr val="accent1"/>
-          </a:lnRef>
-          <a:fillRef idx="0">
-            <a:schemeClr val="accent1"/>
-          </a:fillRef>
-          <a:effectRef idx="0">
-            <a:schemeClr val="accent1"/>
-          </a:effectRef>
-          <a:fontRef idx="minor">
-            <a:schemeClr val="tx1"/>
+          <a:lnRef idx="2">
+            <a:schemeClr val="accent5">
+              <a:shade val="50000"/>
+            </a:schemeClr>
+          </a:lnRef>
+          <a:fillRef idx="1">
+            <a:schemeClr val="accent5"/>
+          </a:fillRef>
+          <a:effectRef idx="0">
+            <a:schemeClr val="accent5"/>
+          </a:effectRef>
+          <a:fontRef idx="minor">
+            <a:schemeClr val="lt1"/>
           </a:fontRef>
         </p:style>
       </p:cxnSp>
@@ -6366,17 +6553,19 @@
           </a:ln>
         </p:spPr>
         <p:style>
-          <a:lnRef idx="1">
-            <a:schemeClr val="accent1"/>
-          </a:lnRef>
-          <a:fillRef idx="0">
-            <a:schemeClr val="accent1"/>
-          </a:fillRef>
-          <a:effectRef idx="0">
-            <a:schemeClr val="accent1"/>
-          </a:effectRef>
-          <a:fontRef idx="minor">
-            <a:schemeClr val="tx1"/>
+          <a:lnRef idx="2">
+            <a:schemeClr val="accent5">
+              <a:shade val="50000"/>
+            </a:schemeClr>
+          </a:lnRef>
+          <a:fillRef idx="1">
+            <a:schemeClr val="accent5"/>
+          </a:fillRef>
+          <a:effectRef idx="0">
+            <a:schemeClr val="accent5"/>
+          </a:effectRef>
+          <a:fontRef idx="minor">
+            <a:schemeClr val="lt1"/>
           </a:fontRef>
         </p:style>
       </p:cxnSp>

--- a/2) Design/DIAGRAMA DE FLUJO - LCD.pptx
+++ b/2) Design/DIAGRAMA DE FLUJO - LCD.pptx
@@ -288,7 +288,7 @@
           <a:p>
             <a:fld id="{604295A6-9E1F-4D6D-986C-EDE65B70A6B3}" type="slidenum">
               <a:rPr lang="en-US" smtClean="0"/>
-              <a:t>‹#›</a:t>
+              <a:t>‹Nº›</a:t>
             </a:fld>
             <a:endParaRPr lang="en-US"/>
           </a:p>
@@ -458,7 +458,7 @@
           <a:p>
             <a:fld id="{604295A6-9E1F-4D6D-986C-EDE65B70A6B3}" type="slidenum">
               <a:rPr lang="en-US" smtClean="0"/>
-              <a:t>‹#›</a:t>
+              <a:t>‹Nº›</a:t>
             </a:fld>
             <a:endParaRPr lang="en-US"/>
           </a:p>
@@ -638,7 +638,7 @@
           <a:p>
             <a:fld id="{604295A6-9E1F-4D6D-986C-EDE65B70A6B3}" type="slidenum">
               <a:rPr lang="en-US" smtClean="0"/>
-              <a:t>‹#›</a:t>
+              <a:t>‹Nº›</a:t>
             </a:fld>
             <a:endParaRPr lang="en-US"/>
           </a:p>
@@ -808,7 +808,7 @@
           <a:p>
             <a:fld id="{604295A6-9E1F-4D6D-986C-EDE65B70A6B3}" type="slidenum">
               <a:rPr lang="en-US" smtClean="0"/>
-              <a:t>‹#›</a:t>
+              <a:t>‹Nº›</a:t>
             </a:fld>
             <a:endParaRPr lang="en-US"/>
           </a:p>
@@ -1052,7 +1052,7 @@
           <a:p>
             <a:fld id="{604295A6-9E1F-4D6D-986C-EDE65B70A6B3}" type="slidenum">
               <a:rPr lang="en-US" smtClean="0"/>
-              <a:t>‹#›</a:t>
+              <a:t>‹Nº›</a:t>
             </a:fld>
             <a:endParaRPr lang="en-US"/>
           </a:p>
@@ -1284,7 +1284,7 @@
           <a:p>
             <a:fld id="{604295A6-9E1F-4D6D-986C-EDE65B70A6B3}" type="slidenum">
               <a:rPr lang="en-US" smtClean="0"/>
-              <a:t>‹#›</a:t>
+              <a:t>‹Nº›</a:t>
             </a:fld>
             <a:endParaRPr lang="en-US"/>
           </a:p>
@@ -1651,7 +1651,7 @@
           <a:p>
             <a:fld id="{604295A6-9E1F-4D6D-986C-EDE65B70A6B3}" type="slidenum">
               <a:rPr lang="en-US" smtClean="0"/>
-              <a:t>‹#›</a:t>
+              <a:t>‹Nº›</a:t>
             </a:fld>
             <a:endParaRPr lang="en-US"/>
           </a:p>
@@ -1769,7 +1769,7 @@
           <a:p>
             <a:fld id="{604295A6-9E1F-4D6D-986C-EDE65B70A6B3}" type="slidenum">
               <a:rPr lang="en-US" smtClean="0"/>
-              <a:t>‹#›</a:t>
+              <a:t>‹Nº›</a:t>
             </a:fld>
             <a:endParaRPr lang="en-US"/>
           </a:p>
@@ -1864,7 +1864,7 @@
           <a:p>
             <a:fld id="{604295A6-9E1F-4D6D-986C-EDE65B70A6B3}" type="slidenum">
               <a:rPr lang="en-US" smtClean="0"/>
-              <a:t>‹#›</a:t>
+              <a:t>‹Nº›</a:t>
             </a:fld>
             <a:endParaRPr lang="en-US"/>
           </a:p>
@@ -2141,7 +2141,7 @@
           <a:p>
             <a:fld id="{604295A6-9E1F-4D6D-986C-EDE65B70A6B3}" type="slidenum">
               <a:rPr lang="en-US" smtClean="0"/>
-              <a:t>‹#›</a:t>
+              <a:t>‹Nº›</a:t>
             </a:fld>
             <a:endParaRPr lang="en-US"/>
           </a:p>
@@ -2398,7 +2398,7 @@
           <a:p>
             <a:fld id="{604295A6-9E1F-4D6D-986C-EDE65B70A6B3}" type="slidenum">
               <a:rPr lang="en-US" smtClean="0"/>
-              <a:t>‹#›</a:t>
+              <a:t>‹Nº›</a:t>
             </a:fld>
             <a:endParaRPr lang="en-US"/>
           </a:p>
@@ -2647,7 +2647,7 @@
           <a:p>
             <a:fld id="{604295A6-9E1F-4D6D-986C-EDE65B70A6B3}" type="slidenum">
               <a:rPr lang="en-US" smtClean="0"/>
-              <a:t>‹#›</a:t>
+              <a:t>‹Nº›</a:t>
             </a:fld>
             <a:endParaRPr lang="en-US"/>
           </a:p>
@@ -3018,11 +3018,7 @@
             <a:pPr algn="ctr"/>
             <a:r>
               <a:rPr lang="es-MX" dirty="0"/>
-              <a:t>INICIO </a:t>
-            </a:r>
-            <a:r>
-              <a:rPr lang="es-MX" dirty="0" err="1"/>
-              <a:t>lcd_thread_entry</a:t>
+              <a:t>INICIO lcd_thread_entry</a:t>
             </a:r>
             <a:endParaRPr lang="en-US" dirty="0"/>
           </a:p>
@@ -3072,7 +3068,15 @@
             <a:pPr algn="ctr"/>
             <a:r>
               <a:rPr lang="es-MX" dirty="0"/>
-              <a:t>DECLARACION VARIBLES GLOBALES, MACROS</a:t>
+              <a:t>DECLARACION </a:t>
+            </a:r>
+            <a:r>
+              <a:rPr lang="es-MX" dirty="0" smtClean="0"/>
+              <a:t>VARIABLES </a:t>
+            </a:r>
+            <a:r>
+              <a:rPr lang="es-MX" dirty="0"/>
+              <a:t>GLOBALES, MACROS</a:t>
             </a:r>
             <a:endParaRPr lang="en-US" dirty="0"/>
           </a:p>
@@ -3327,10 +3331,9 @@
           <a:p>
             <a:pPr algn="ctr"/>
             <a:r>
-              <a:rPr lang="en-US" dirty="0" err="1"/>
+              <a:rPr lang="en-US" dirty="0"/>
               <a:t>SR_Config</a:t>
             </a:r>
-            <a:endParaRPr lang="en-US" dirty="0"/>
           </a:p>
         </p:txBody>
       </p:sp>
@@ -3537,10 +3540,9 @@
           <a:p>
             <a:pPr algn="ctr"/>
             <a:r>
-              <a:rPr lang="en-US" dirty="0" err="1"/>
+              <a:rPr lang="en-US" dirty="0"/>
               <a:t>SR_UpdateLcd</a:t>
             </a:r>
-            <a:endParaRPr lang="en-US" dirty="0"/>
           </a:p>
         </p:txBody>
       </p:sp>
@@ -3588,13 +3590,8 @@
             <a:pPr algn="ctr"/>
             <a:r>
               <a:rPr lang="en-US" dirty="0"/>
-              <a:t>RETRASO 10 </a:t>
-            </a:r>
-            <a:r>
-              <a:rPr lang="en-US" dirty="0" err="1"/>
-              <a:t>ms</a:t>
-            </a:r>
-            <a:endParaRPr lang="en-US" dirty="0"/>
+              <a:t>RETRASO 10 ms</a:t>
+            </a:r>
           </a:p>
         </p:txBody>
       </p:sp>
@@ -4238,11 +4235,7 @@
             <a:pPr algn="ctr"/>
             <a:r>
               <a:rPr lang="es-MX" dirty="0"/>
-              <a:t>INICIO </a:t>
-            </a:r>
-            <a:r>
-              <a:rPr lang="es-MX" dirty="0" err="1"/>
-              <a:t>SR_Config</a:t>
+              <a:t>INICIO SR_Config</a:t>
             </a:r>
             <a:endParaRPr lang="en-US" dirty="0"/>
           </a:p>
@@ -4498,10 +4491,9 @@
           <a:p>
             <a:pPr algn="ctr"/>
             <a:r>
-              <a:rPr lang="en-US" dirty="0" err="1"/>
+              <a:rPr lang="en-US" dirty="0"/>
               <a:t>SR_CreateWidgets</a:t>
             </a:r>
-            <a:endParaRPr lang="en-US" dirty="0"/>
           </a:p>
         </p:txBody>
       </p:sp>
@@ -4549,15 +4541,7 @@
             <a:pPr algn="ctr"/>
             <a:r>
               <a:rPr lang="es-MX" dirty="0"/>
-              <a:t>DECLARAR </a:t>
-            </a:r>
-            <a:r>
-              <a:rPr lang="es-MX" dirty="0" err="1"/>
-              <a:t>psWindowRoot</a:t>
-            </a:r>
-            <a:r>
-              <a:rPr lang="es-MX" dirty="0"/>
-              <a:t> COMO WIDGET INICIAL</a:t>
+              <a:t>DECLARAR psWindowRoot COMO WIDGET INICIAL</a:t>
             </a:r>
             <a:endParaRPr lang="en-US" dirty="0"/>
           </a:p>
@@ -4829,11 +4813,7 @@
             <a:pPr algn="ctr"/>
             <a:r>
               <a:rPr lang="es-MX" dirty="0"/>
-              <a:t>FIN </a:t>
-            </a:r>
-            <a:r>
-              <a:rPr lang="es-MX" dirty="0" err="1"/>
-              <a:t>SR_Config</a:t>
+              <a:t>FIN SR_Config</a:t>
             </a:r>
             <a:endParaRPr lang="en-US" dirty="0"/>
           </a:p>
@@ -4957,11 +4937,7 @@
             <a:pPr algn="ctr"/>
             <a:r>
               <a:rPr lang="es-MX" dirty="0"/>
-              <a:t>INICIO </a:t>
-            </a:r>
-            <a:r>
-              <a:rPr lang="es-MX" dirty="0" err="1"/>
-              <a:t>SR_CreateWidgets</a:t>
+              <a:t>INICIO SR_CreateWidgets</a:t>
             </a:r>
             <a:endParaRPr lang="en-US" dirty="0"/>
           </a:p>
@@ -5864,11 +5840,7 @@
             <a:pPr algn="ctr"/>
             <a:r>
               <a:rPr lang="es-MX" dirty="0"/>
-              <a:t>FIN </a:t>
-            </a:r>
-            <a:r>
-              <a:rPr lang="es-MX" dirty="0" err="1"/>
-              <a:t>SR_CreateWidgets</a:t>
+              <a:t>FIN SR_CreateWidgets</a:t>
             </a:r>
             <a:endParaRPr lang="en-US" dirty="0"/>
           </a:p>
@@ -5992,11 +5964,7 @@
             <a:pPr algn="ctr"/>
             <a:r>
               <a:rPr lang="es-MX" dirty="0"/>
-              <a:t>INICIO </a:t>
-            </a:r>
-            <a:r>
-              <a:rPr lang="es-MX" dirty="0" err="1"/>
-              <a:t>SR_UpdateLcd</a:t>
+              <a:t>INICIO SR_UpdateLcd</a:t>
             </a:r>
             <a:endParaRPr lang="en-US" dirty="0"/>
           </a:p>
@@ -6295,11 +6263,7 @@
             <a:pPr algn="ctr"/>
             <a:r>
               <a:rPr lang="es-MX" dirty="0"/>
-              <a:t>FIN </a:t>
-            </a:r>
-            <a:r>
-              <a:rPr lang="es-MX" dirty="0" err="1"/>
-              <a:t>SR_UpdateLcd</a:t>
+              <a:t>FIN SR_UpdateLcd</a:t>
             </a:r>
             <a:endParaRPr lang="en-US" dirty="0"/>
           </a:p>
